--- a/Daily Agendas/Day6.1 KinematicsReview.pptx
+++ b/Daily Agendas/Day6.1 KinematicsReview.pptx
@@ -243,7 +243,7 @@
           <a:p>
             <a:fld id="{DBFDDC6D-30E6-4591-A5D6-EBA4A0A375E4}" type="datetimeFigureOut">
               <a:rPr lang="en-US" smtClean="0"/>
-              <a:t>3/8/2020</a:t>
+              <a:t>3/9/2020</a:t>
             </a:fld>
             <a:endParaRPr lang="en-US"/>
           </a:p>
@@ -413,7 +413,7 @@
           <a:p>
             <a:fld id="{DBFDDC6D-30E6-4591-A5D6-EBA4A0A375E4}" type="datetimeFigureOut">
               <a:rPr lang="en-US" smtClean="0"/>
-              <a:t>3/8/2020</a:t>
+              <a:t>3/9/2020</a:t>
             </a:fld>
             <a:endParaRPr lang="en-US"/>
           </a:p>
@@ -593,7 +593,7 @@
           <a:p>
             <a:fld id="{DBFDDC6D-30E6-4591-A5D6-EBA4A0A375E4}" type="datetimeFigureOut">
               <a:rPr lang="en-US" smtClean="0"/>
-              <a:t>3/8/2020</a:t>
+              <a:t>3/9/2020</a:t>
             </a:fld>
             <a:endParaRPr lang="en-US"/>
           </a:p>
@@ -763,7 +763,7 @@
           <a:p>
             <a:fld id="{DBFDDC6D-30E6-4591-A5D6-EBA4A0A375E4}" type="datetimeFigureOut">
               <a:rPr lang="en-US" smtClean="0"/>
-              <a:t>3/8/2020</a:t>
+              <a:t>3/9/2020</a:t>
             </a:fld>
             <a:endParaRPr lang="en-US"/>
           </a:p>
@@ -1007,7 +1007,7 @@
           <a:p>
             <a:fld id="{DBFDDC6D-30E6-4591-A5D6-EBA4A0A375E4}" type="datetimeFigureOut">
               <a:rPr lang="en-US" smtClean="0"/>
-              <a:t>3/8/2020</a:t>
+              <a:t>3/9/2020</a:t>
             </a:fld>
             <a:endParaRPr lang="en-US"/>
           </a:p>
@@ -1239,7 +1239,7 @@
           <a:p>
             <a:fld id="{DBFDDC6D-30E6-4591-A5D6-EBA4A0A375E4}" type="datetimeFigureOut">
               <a:rPr lang="en-US" smtClean="0"/>
-              <a:t>3/8/2020</a:t>
+              <a:t>3/9/2020</a:t>
             </a:fld>
             <a:endParaRPr lang="en-US"/>
           </a:p>
@@ -1606,7 +1606,7 @@
           <a:p>
             <a:fld id="{DBFDDC6D-30E6-4591-A5D6-EBA4A0A375E4}" type="datetimeFigureOut">
               <a:rPr lang="en-US" smtClean="0"/>
-              <a:t>3/8/2020</a:t>
+              <a:t>3/9/2020</a:t>
             </a:fld>
             <a:endParaRPr lang="en-US"/>
           </a:p>
@@ -1724,7 +1724,7 @@
           <a:p>
             <a:fld id="{DBFDDC6D-30E6-4591-A5D6-EBA4A0A375E4}" type="datetimeFigureOut">
               <a:rPr lang="en-US" smtClean="0"/>
-              <a:t>3/8/2020</a:t>
+              <a:t>3/9/2020</a:t>
             </a:fld>
             <a:endParaRPr lang="en-US"/>
           </a:p>
@@ -1819,7 +1819,7 @@
           <a:p>
             <a:fld id="{DBFDDC6D-30E6-4591-A5D6-EBA4A0A375E4}" type="datetimeFigureOut">
               <a:rPr lang="en-US" smtClean="0"/>
-              <a:t>3/8/2020</a:t>
+              <a:t>3/9/2020</a:t>
             </a:fld>
             <a:endParaRPr lang="en-US"/>
           </a:p>
@@ -2096,7 +2096,7 @@
           <a:p>
             <a:fld id="{DBFDDC6D-30E6-4591-A5D6-EBA4A0A375E4}" type="datetimeFigureOut">
               <a:rPr lang="en-US" smtClean="0"/>
-              <a:t>3/8/2020</a:t>
+              <a:t>3/9/2020</a:t>
             </a:fld>
             <a:endParaRPr lang="en-US"/>
           </a:p>
@@ -2353,7 +2353,7 @@
           <a:p>
             <a:fld id="{DBFDDC6D-30E6-4591-A5D6-EBA4A0A375E4}" type="datetimeFigureOut">
               <a:rPr lang="en-US" smtClean="0"/>
-              <a:t>3/8/2020</a:t>
+              <a:t>3/9/2020</a:t>
             </a:fld>
             <a:endParaRPr lang="en-US"/>
           </a:p>
@@ -2566,7 +2566,7 @@
           <a:p>
             <a:fld id="{DBFDDC6D-30E6-4591-A5D6-EBA4A0A375E4}" type="datetimeFigureOut">
               <a:rPr lang="en-US" smtClean="0"/>
-              <a:t>3/8/2020</a:t>
+              <a:t>3/9/2020</a:t>
             </a:fld>
             <a:endParaRPr lang="en-US"/>
           </a:p>
@@ -3065,13 +3065,8 @@
             <a:pPr lvl="2"/>
             <a:r>
               <a:rPr lang="en-CA" dirty="0"/>
-              <a:t>For Extra </a:t>
-            </a:r>
-            <a:r>
-              <a:rPr lang="en-CA"/>
-              <a:t>Review Questions</a:t>
-            </a:r>
-            <a:endParaRPr lang="en-CA" dirty="0"/>
+              <a:t>For Extra Review Questions</a:t>
+            </a:r>
           </a:p>
           <a:p>
             <a:pPr lvl="2"/>
@@ -3099,8 +3094,20 @@
           <a:p>
             <a:pPr lvl="1"/>
             <a:r>
-              <a:rPr lang="en-CA" dirty="0"/>
-              <a:t>Wednesday: Kinematics Unit Test</a:t>
+              <a:rPr lang="en-CA" dirty="0" smtClean="0">
+                <a:solidFill>
+                  <a:srgbClr val="FF0000"/>
+                </a:solidFill>
+              </a:rPr>
+              <a:t>Thursday: </a:t>
+            </a:r>
+            <a:r>
+              <a:rPr lang="en-CA" dirty="0">
+                <a:solidFill>
+                  <a:srgbClr val="FF0000"/>
+                </a:solidFill>
+              </a:rPr>
+              <a:t>Kinematics Unit Test</a:t>
             </a:r>
           </a:p>
         </p:txBody>
